--- a/Introduction to Hive.pptx
+++ b/Introduction to Hive.pptx
@@ -12,6 +12,13 @@
     <p:sldId id="260" r:id="rId6"/>
     <p:sldId id="261" r:id="rId7"/>
     <p:sldId id="262" r:id="rId8"/>
+    <p:sldId id="263" r:id="rId9"/>
+    <p:sldId id="264" r:id="rId10"/>
+    <p:sldId id="265" r:id="rId11"/>
+    <p:sldId id="266" r:id="rId12"/>
+    <p:sldId id="267" r:id="rId13"/>
+    <p:sldId id="268" r:id="rId14"/>
+    <p:sldId id="269" r:id="rId15"/>
   </p:sldIdLst>
   <p:sldSz cx="12192000" cy="6858000"/>
   <p:notesSz cx="6858000" cy="9144000"/>
@@ -110,6 +117,11 @@
       </a:defRPr>
     </a:lvl9pPr>
   </p:defaultTextStyle>
+  <p:extLst>
+    <p:ext uri="{EFAFB233-063F-42B5-8137-9DF3F51BA10A}">
+      <p15:sldGuideLst xmlns:p15="http://schemas.microsoft.com/office/powerpoint/2012/main"/>
+    </p:ext>
+  </p:extLst>
 </p:presentation>
 </file>
 
@@ -265,7 +277,7 @@
           <a:p>
             <a:fld id="{70725626-7185-453A-A3D3-B83DA5471963}" type="datetimeFigureOut">
               <a:rPr lang="en-US" smtClean="0"/>
-              <a:t>2/20/2017</a:t>
+              <a:t>2/21/2017</a:t>
             </a:fld>
             <a:endParaRPr lang="en-US"/>
           </a:p>
@@ -508,7 +520,7 @@
           <a:p>
             <a:fld id="{70725626-7185-453A-A3D3-B83DA5471963}" type="datetimeFigureOut">
               <a:rPr lang="en-US" smtClean="0"/>
-              <a:t>2/20/2017</a:t>
+              <a:t>2/21/2017</a:t>
             </a:fld>
             <a:endParaRPr lang="en-US"/>
           </a:p>
@@ -688,7 +700,7 @@
           <a:p>
             <a:fld id="{70725626-7185-453A-A3D3-B83DA5471963}" type="datetimeFigureOut">
               <a:rPr lang="en-US" smtClean="0"/>
-              <a:t>2/20/2017</a:t>
+              <a:t>2/21/2017</a:t>
             </a:fld>
             <a:endParaRPr lang="en-US"/>
           </a:p>
@@ -893,7 +905,7 @@
           <a:p>
             <a:fld id="{70725626-7185-453A-A3D3-B83DA5471963}" type="datetimeFigureOut">
               <a:rPr lang="en-US" smtClean="0"/>
-              <a:t>2/20/2017</a:t>
+              <a:t>2/21/2017</a:t>
             </a:fld>
             <a:endParaRPr lang="en-US"/>
           </a:p>
@@ -1150,7 +1162,7 @@
           <a:p>
             <a:fld id="{70725626-7185-453A-A3D3-B83DA5471963}" type="datetimeFigureOut">
               <a:rPr lang="en-US" smtClean="0"/>
-              <a:t>2/20/2017</a:t>
+              <a:t>2/21/2017</a:t>
             </a:fld>
             <a:endParaRPr lang="en-US"/>
           </a:p>
@@ -1497,7 +1509,7 @@
           <a:p>
             <a:fld id="{70725626-7185-453A-A3D3-B83DA5471963}" type="datetimeFigureOut">
               <a:rPr lang="en-US" smtClean="0"/>
-              <a:t>2/20/2017</a:t>
+              <a:t>2/21/2017</a:t>
             </a:fld>
             <a:endParaRPr lang="en-US"/>
           </a:p>
@@ -1899,7 +1911,7 @@
           <a:p>
             <a:fld id="{70725626-7185-453A-A3D3-B83DA5471963}" type="datetimeFigureOut">
               <a:rPr lang="en-US" smtClean="0"/>
-              <a:t>2/20/2017</a:t>
+              <a:t>2/21/2017</a:t>
             </a:fld>
             <a:endParaRPr lang="en-US"/>
           </a:p>
@@ -2017,7 +2029,7 @@
           <a:p>
             <a:fld id="{70725626-7185-453A-A3D3-B83DA5471963}" type="datetimeFigureOut">
               <a:rPr lang="en-US" smtClean="0"/>
-              <a:t>2/20/2017</a:t>
+              <a:t>2/21/2017</a:t>
             </a:fld>
             <a:endParaRPr lang="en-US"/>
           </a:p>
@@ -2112,7 +2124,7 @@
           <a:p>
             <a:fld id="{70725626-7185-453A-A3D3-B83DA5471963}" type="datetimeFigureOut">
               <a:rPr lang="en-US" smtClean="0"/>
-              <a:t>2/20/2017</a:t>
+              <a:t>2/21/2017</a:t>
             </a:fld>
             <a:endParaRPr lang="en-US"/>
           </a:p>
@@ -2402,7 +2414,7 @@
           <a:p>
             <a:fld id="{70725626-7185-453A-A3D3-B83DA5471963}" type="datetimeFigureOut">
               <a:rPr lang="en-US" smtClean="0"/>
-              <a:t>2/20/2017</a:t>
+              <a:t>2/21/2017</a:t>
             </a:fld>
             <a:endParaRPr lang="en-US"/>
           </a:p>
@@ -2682,7 +2694,7 @@
           <a:p>
             <a:fld id="{70725626-7185-453A-A3D3-B83DA5471963}" type="datetimeFigureOut">
               <a:rPr lang="en-US" smtClean="0"/>
-              <a:t>2/20/2017</a:t>
+              <a:t>2/21/2017</a:t>
             </a:fld>
             <a:endParaRPr lang="en-US"/>
           </a:p>
@@ -2932,7 +2944,7 @@
           <a:p>
             <a:fld id="{70725626-7185-453A-A3D3-B83DA5471963}" type="datetimeFigureOut">
               <a:rPr lang="en-US" smtClean="0"/>
-              <a:t>2/20/2017</a:t>
+              <a:t>2/21/2017</a:t>
             </a:fld>
             <a:endParaRPr lang="en-US"/>
           </a:p>
@@ -3526,6 +3538,1494 @@
 </p:sld>
 </file>
 
+<file path=ppt/slides/slide10.xml><?xml version="1.0" encoding="utf-8"?>
+<p:sld xmlns:a="http://schemas.openxmlformats.org/drawingml/2006/main" xmlns:r="http://schemas.openxmlformats.org/officeDocument/2006/relationships" xmlns:p="http://schemas.openxmlformats.org/presentationml/2006/main">
+  <p:cSld>
+    <p:spTree>
+      <p:nvGrpSpPr>
+        <p:cNvPr id="1" name=""/>
+        <p:cNvGrpSpPr/>
+        <p:nvPr/>
+      </p:nvGrpSpPr>
+      <p:grpSpPr>
+        <a:xfrm>
+          <a:off x="0" y="0"/>
+          <a:ext cx="0" cy="0"/>
+          <a:chOff x="0" y="0"/>
+          <a:chExt cx="0" cy="0"/>
+        </a:xfrm>
+      </p:grpSpPr>
+      <p:sp>
+        <p:nvSpPr>
+          <p:cNvPr id="2" name="Title 1"/>
+          <p:cNvSpPr>
+            <a:spLocks noGrp="1"/>
+          </p:cNvSpPr>
+          <p:nvPr>
+            <p:ph type="title"/>
+          </p:nvPr>
+        </p:nvSpPr>
+        <p:spPr/>
+        <p:txBody>
+          <a:bodyPr/>
+          <a:lstStyle/>
+          <a:p>
+            <a:r>
+              <a:rPr lang="en-US" dirty="0"/>
+              <a:t>CRUD operations</a:t>
+            </a:r>
+          </a:p>
+        </p:txBody>
+      </p:sp>
+      <p:sp>
+        <p:nvSpPr>
+          <p:cNvPr id="3" name="Content Placeholder 2"/>
+          <p:cNvSpPr>
+            <a:spLocks noGrp="1"/>
+          </p:cNvSpPr>
+          <p:nvPr>
+            <p:ph idx="1"/>
+          </p:nvPr>
+        </p:nvSpPr>
+        <p:spPr>
+          <a:xfrm>
+            <a:off x="1024128" y="1761275"/>
+            <a:ext cx="10215958" cy="4920879"/>
+          </a:xfrm>
+        </p:spPr>
+        <p:txBody>
+          <a:bodyPr>
+            <a:normAutofit fontScale="92500" lnSpcReduction="10000"/>
+          </a:bodyPr>
+          <a:lstStyle/>
+          <a:p>
+            <a:pPr>
+              <a:buFont typeface="Wingdings" panose="05000000000000000000" pitchFamily="2" charset="2"/>
+              <a:buChar char="§"/>
+            </a:pPr>
+            <a:r>
+              <a:rPr lang="en-US" dirty="0"/>
+              <a:t> CREATE DATABASE : Create a database which is a collection of tables</a:t>
+            </a:r>
+          </a:p>
+          <a:p>
+            <a:pPr marL="0" indent="0">
+              <a:buNone/>
+            </a:pPr>
+            <a:r>
+              <a:rPr lang="en-US" dirty="0"/>
+              <a:t>	</a:t>
+            </a:r>
+            <a:r>
+              <a:rPr lang="en-US" sz="2000" i="1" dirty="0">
+                <a:solidFill>
+                  <a:schemeClr val="accent4">
+                    <a:lumMod val="75000"/>
+                  </a:schemeClr>
+                </a:solidFill>
+              </a:rPr>
+              <a:t>CREATE DATABASE|SCHEMA [IF NOT EXISTS] &lt;database name&gt;</a:t>
+            </a:r>
+          </a:p>
+          <a:p>
+            <a:pPr marL="0" indent="0">
+              <a:buNone/>
+            </a:pPr>
+            <a:r>
+              <a:rPr lang="en-US" sz="2000" i="1" dirty="0">
+                <a:solidFill>
+                  <a:schemeClr val="accent4">
+                    <a:lumMod val="75000"/>
+                  </a:schemeClr>
+                </a:solidFill>
+              </a:rPr>
+              <a:t>	</a:t>
+            </a:r>
+            <a:r>
+              <a:rPr lang="en-US" sz="2000" i="1" dirty="0" err="1">
+                <a:solidFill>
+                  <a:schemeClr val="accent4">
+                    <a:lumMod val="75000"/>
+                  </a:schemeClr>
+                </a:solidFill>
+              </a:rPr>
+              <a:t>eg</a:t>
+            </a:r>
+            <a:r>
+              <a:rPr lang="en-US" sz="2000" i="1" dirty="0">
+                <a:solidFill>
+                  <a:schemeClr val="accent4">
+                    <a:lumMod val="75000"/>
+                  </a:schemeClr>
+                </a:solidFill>
+              </a:rPr>
+              <a:t>: hive&gt; CREATE DATABASE [IF NOT EXISTS] </a:t>
+            </a:r>
+            <a:r>
+              <a:rPr lang="en-US" sz="2000" i="1" dirty="0" err="1">
+                <a:solidFill>
+                  <a:schemeClr val="accent4">
+                    <a:lumMod val="75000"/>
+                  </a:schemeClr>
+                </a:solidFill>
+              </a:rPr>
+              <a:t>userdb</a:t>
+            </a:r>
+            <a:r>
+              <a:rPr lang="en-US" sz="2000" i="1" dirty="0">
+                <a:solidFill>
+                  <a:schemeClr val="accent4">
+                    <a:lumMod val="75000"/>
+                  </a:schemeClr>
+                </a:solidFill>
+              </a:rPr>
+              <a:t>;</a:t>
+            </a:r>
+          </a:p>
+          <a:p>
+            <a:pPr>
+              <a:buFont typeface="Wingdings" panose="05000000000000000000" pitchFamily="2" charset="2"/>
+              <a:buChar char="§"/>
+            </a:pPr>
+            <a:r>
+              <a:rPr lang="en-US" dirty="0"/>
+              <a:t> DROP DATABASE : Drop all tables and delete the database [RESTRICT|CASCADE];</a:t>
+            </a:r>
+          </a:p>
+          <a:p>
+            <a:pPr marL="0" indent="0">
+              <a:buNone/>
+            </a:pPr>
+            <a:r>
+              <a:rPr lang="en-US" dirty="0"/>
+              <a:t>	</a:t>
+            </a:r>
+            <a:r>
+              <a:rPr lang="en-US" sz="2000" i="1" dirty="0">
+                <a:solidFill>
+                  <a:schemeClr val="accent4">
+                    <a:lumMod val="75000"/>
+                  </a:schemeClr>
+                </a:solidFill>
+              </a:rPr>
+              <a:t>DROP (DATABASE|SCHEMA) [IF EXISTS] &lt;</a:t>
+            </a:r>
+            <a:r>
+              <a:rPr lang="en-US" sz="2000" i="1" dirty="0" err="1">
+                <a:solidFill>
+                  <a:schemeClr val="accent4">
+                    <a:lumMod val="75000"/>
+                  </a:schemeClr>
+                </a:solidFill>
+              </a:rPr>
+              <a:t>database_name</a:t>
+            </a:r>
+            <a:r>
+              <a:rPr lang="en-US" sz="2000" i="1" dirty="0">
+                <a:solidFill>
+                  <a:schemeClr val="accent4">
+                    <a:lumMod val="75000"/>
+                  </a:schemeClr>
+                </a:solidFill>
+              </a:rPr>
+              <a:t>&gt;</a:t>
+            </a:r>
+          </a:p>
+          <a:p>
+            <a:pPr marL="0" indent="0">
+              <a:buNone/>
+            </a:pPr>
+            <a:r>
+              <a:rPr lang="en-US" sz="2000" i="1" dirty="0">
+                <a:solidFill>
+                  <a:schemeClr val="accent4">
+                    <a:lumMod val="75000"/>
+                  </a:schemeClr>
+                </a:solidFill>
+              </a:rPr>
+              <a:t>	</a:t>
+            </a:r>
+            <a:r>
+              <a:rPr lang="en-US" sz="2000" i="1" dirty="0" err="1">
+                <a:solidFill>
+                  <a:schemeClr val="accent4">
+                    <a:lumMod val="75000"/>
+                  </a:schemeClr>
+                </a:solidFill>
+              </a:rPr>
+              <a:t>eg</a:t>
+            </a:r>
+            <a:r>
+              <a:rPr lang="en-US" sz="2000" i="1" dirty="0">
+                <a:solidFill>
+                  <a:schemeClr val="accent4">
+                    <a:lumMod val="75000"/>
+                  </a:schemeClr>
+                </a:solidFill>
+              </a:rPr>
+              <a:t>: hive&gt; DROP DATABASE IF EXISTS </a:t>
+            </a:r>
+            <a:r>
+              <a:rPr lang="en-US" sz="2000" i="1" dirty="0" err="1">
+                <a:solidFill>
+                  <a:schemeClr val="accent4">
+                    <a:lumMod val="75000"/>
+                  </a:schemeClr>
+                </a:solidFill>
+              </a:rPr>
+              <a:t>userdb</a:t>
+            </a:r>
+            <a:r>
+              <a:rPr lang="en-US" sz="2000" i="1" dirty="0">
+                <a:solidFill>
+                  <a:schemeClr val="accent4">
+                    <a:lumMod val="75000"/>
+                  </a:schemeClr>
+                </a:solidFill>
+              </a:rPr>
+              <a:t> CASCADE;</a:t>
+            </a:r>
+          </a:p>
+          <a:p>
+            <a:pPr>
+              <a:buFont typeface="Wingdings" panose="05000000000000000000" pitchFamily="2" charset="2"/>
+              <a:buChar char="§"/>
+            </a:pPr>
+            <a:r>
+              <a:rPr lang="en-US" dirty="0"/>
+              <a:t> CREATE TABLE : Creates a table </a:t>
+            </a:r>
+          </a:p>
+          <a:p>
+            <a:pPr marL="0" indent="0">
+              <a:buNone/>
+            </a:pPr>
+            <a:r>
+              <a:rPr lang="en-US" sz="2000" i="1" dirty="0">
+                <a:solidFill>
+                  <a:schemeClr val="accent4">
+                    <a:lumMod val="75000"/>
+                  </a:schemeClr>
+                </a:solidFill>
+              </a:rPr>
+              <a:t>	CREATE [TEMPORARY] [EXTERNAL] TABLE [IF NOT EXISTS] [</a:t>
+            </a:r>
+            <a:r>
+              <a:rPr lang="en-US" sz="2000" i="1" dirty="0" err="1">
+                <a:solidFill>
+                  <a:schemeClr val="accent4">
+                    <a:lumMod val="75000"/>
+                  </a:schemeClr>
+                </a:solidFill>
+              </a:rPr>
+              <a:t>db_name</a:t>
+            </a:r>
+            <a:r>
+              <a:rPr lang="en-US" sz="2000" i="1" dirty="0">
+                <a:solidFill>
+                  <a:schemeClr val="accent4">
+                    <a:lumMod val="75000"/>
+                  </a:schemeClr>
+                </a:solidFill>
+              </a:rPr>
+              <a:t>.] </a:t>
+            </a:r>
+            <a:r>
+              <a:rPr lang="en-US" sz="2000" i="1" dirty="0" err="1">
+                <a:solidFill>
+                  <a:schemeClr val="accent4">
+                    <a:lumMod val="75000"/>
+                  </a:schemeClr>
+                </a:solidFill>
+              </a:rPr>
+              <a:t>table_name</a:t>
+            </a:r>
+            <a:endParaRPr lang="en-US" sz="2000" i="1" dirty="0">
+              <a:solidFill>
+                <a:schemeClr val="accent4">
+                  <a:lumMod val="75000"/>
+                </a:schemeClr>
+              </a:solidFill>
+            </a:endParaRPr>
+          </a:p>
+          <a:p>
+            <a:pPr marL="0" indent="0">
+              <a:buNone/>
+            </a:pPr>
+            <a:r>
+              <a:rPr lang="en-US" sz="2000" i="1" dirty="0">
+                <a:solidFill>
+                  <a:schemeClr val="accent4">
+                    <a:lumMod val="75000"/>
+                  </a:schemeClr>
+                </a:solidFill>
+              </a:rPr>
+              <a:t>	[(</a:t>
+            </a:r>
+            <a:r>
+              <a:rPr lang="en-US" sz="2000" i="1" dirty="0" err="1">
+                <a:solidFill>
+                  <a:schemeClr val="accent4">
+                    <a:lumMod val="75000"/>
+                  </a:schemeClr>
+                </a:solidFill>
+              </a:rPr>
+              <a:t>col_name</a:t>
+            </a:r>
+            <a:r>
+              <a:rPr lang="en-US" sz="2000" i="1" dirty="0">
+                <a:solidFill>
+                  <a:schemeClr val="accent4">
+                    <a:lumMod val="75000"/>
+                  </a:schemeClr>
+                </a:solidFill>
+              </a:rPr>
+              <a:t> </a:t>
+            </a:r>
+            <a:r>
+              <a:rPr lang="en-US" sz="2000" i="1" dirty="0" err="1">
+                <a:solidFill>
+                  <a:schemeClr val="accent4">
+                    <a:lumMod val="75000"/>
+                  </a:schemeClr>
+                </a:solidFill>
+              </a:rPr>
+              <a:t>data_type</a:t>
+            </a:r>
+            <a:r>
+              <a:rPr lang="en-US" sz="2000" i="1" dirty="0">
+                <a:solidFill>
+                  <a:schemeClr val="accent4">
+                    <a:lumMod val="75000"/>
+                  </a:schemeClr>
+                </a:solidFill>
+              </a:rPr>
+              <a:t> [COMMENT </a:t>
+            </a:r>
+            <a:r>
+              <a:rPr lang="en-US" sz="2000" i="1" dirty="0" err="1">
+                <a:solidFill>
+                  <a:schemeClr val="accent4">
+                    <a:lumMod val="75000"/>
+                  </a:schemeClr>
+                </a:solidFill>
+              </a:rPr>
+              <a:t>col_comment</a:t>
+            </a:r>
+            <a:r>
+              <a:rPr lang="en-US" sz="2000" i="1" dirty="0">
+                <a:solidFill>
+                  <a:schemeClr val="accent4">
+                    <a:lumMod val="75000"/>
+                  </a:schemeClr>
+                </a:solidFill>
+              </a:rPr>
+              <a:t>], ...)]</a:t>
+            </a:r>
+          </a:p>
+          <a:p>
+            <a:pPr marL="0" indent="0">
+              <a:buNone/>
+            </a:pPr>
+            <a:r>
+              <a:rPr lang="en-US" sz="2000" i="1" dirty="0">
+                <a:solidFill>
+                  <a:schemeClr val="accent4">
+                    <a:lumMod val="75000"/>
+                  </a:schemeClr>
+                </a:solidFill>
+              </a:rPr>
+              <a:t>	[COMMENT </a:t>
+            </a:r>
+            <a:r>
+              <a:rPr lang="en-US" sz="2000" i="1" dirty="0" err="1">
+                <a:solidFill>
+                  <a:schemeClr val="accent4">
+                    <a:lumMod val="75000"/>
+                  </a:schemeClr>
+                </a:solidFill>
+              </a:rPr>
+              <a:t>table_comment</a:t>
+            </a:r>
+            <a:r>
+              <a:rPr lang="en-US" sz="2000" i="1" dirty="0">
+                <a:solidFill>
+                  <a:schemeClr val="accent4">
+                    <a:lumMod val="75000"/>
+                  </a:schemeClr>
+                </a:solidFill>
+              </a:rPr>
+              <a:t>]</a:t>
+            </a:r>
+          </a:p>
+          <a:p>
+            <a:pPr marL="0" indent="0">
+              <a:buNone/>
+            </a:pPr>
+            <a:r>
+              <a:rPr lang="en-US" sz="2000" i="1" dirty="0">
+                <a:solidFill>
+                  <a:schemeClr val="accent4">
+                    <a:lumMod val="75000"/>
+                  </a:schemeClr>
+                </a:solidFill>
+              </a:rPr>
+              <a:t>	[ROW FORMAT </a:t>
+            </a:r>
+            <a:r>
+              <a:rPr lang="en-US" sz="2000" i="1" dirty="0" err="1">
+                <a:solidFill>
+                  <a:schemeClr val="accent4">
+                    <a:lumMod val="75000"/>
+                  </a:schemeClr>
+                </a:solidFill>
+              </a:rPr>
+              <a:t>row_format</a:t>
+            </a:r>
+            <a:r>
+              <a:rPr lang="en-US" sz="2000" i="1" dirty="0">
+                <a:solidFill>
+                  <a:schemeClr val="accent4">
+                    <a:lumMod val="75000"/>
+                  </a:schemeClr>
+                </a:solidFill>
+              </a:rPr>
+              <a:t>]</a:t>
+            </a:r>
+          </a:p>
+          <a:p>
+            <a:pPr marL="0" indent="0">
+              <a:buNone/>
+            </a:pPr>
+            <a:r>
+              <a:rPr lang="en-US" sz="2000" i="1" dirty="0">
+                <a:solidFill>
+                  <a:schemeClr val="accent4">
+                    <a:lumMod val="75000"/>
+                  </a:schemeClr>
+                </a:solidFill>
+              </a:rPr>
+              <a:t>	[STORED AS </a:t>
+            </a:r>
+            <a:r>
+              <a:rPr lang="en-US" sz="2000" i="1" dirty="0" err="1">
+                <a:solidFill>
+                  <a:schemeClr val="accent4">
+                    <a:lumMod val="75000"/>
+                  </a:schemeClr>
+                </a:solidFill>
+              </a:rPr>
+              <a:t>file_format</a:t>
+            </a:r>
+            <a:r>
+              <a:rPr lang="en-US" sz="2000" i="1" dirty="0">
+                <a:solidFill>
+                  <a:schemeClr val="accent4">
+                    <a:lumMod val="75000"/>
+                  </a:schemeClr>
+                </a:solidFill>
+              </a:rPr>
+              <a:t>]</a:t>
+            </a:r>
+            <a:endParaRPr lang="en-US" dirty="0"/>
+          </a:p>
+        </p:txBody>
+      </p:sp>
+    </p:spTree>
+    <p:extLst>
+      <p:ext uri="{BB962C8B-B14F-4D97-AF65-F5344CB8AC3E}">
+        <p14:creationId xmlns:p14="http://schemas.microsoft.com/office/powerpoint/2010/main" val="3484311821"/>
+      </p:ext>
+    </p:extLst>
+  </p:cSld>
+  <p:clrMapOvr>
+    <a:masterClrMapping/>
+  </p:clrMapOvr>
+</p:sld>
+</file>
+
+<file path=ppt/slides/slide11.xml><?xml version="1.0" encoding="utf-8"?>
+<p:sld xmlns:a="http://schemas.openxmlformats.org/drawingml/2006/main" xmlns:r="http://schemas.openxmlformats.org/officeDocument/2006/relationships" xmlns:p="http://schemas.openxmlformats.org/presentationml/2006/main">
+  <p:cSld>
+    <p:spTree>
+      <p:nvGrpSpPr>
+        <p:cNvPr id="1" name=""/>
+        <p:cNvGrpSpPr/>
+        <p:nvPr/>
+      </p:nvGrpSpPr>
+      <p:grpSpPr>
+        <a:xfrm>
+          <a:off x="0" y="0"/>
+          <a:ext cx="0" cy="0"/>
+          <a:chOff x="0" y="0"/>
+          <a:chExt cx="0" cy="0"/>
+        </a:xfrm>
+      </p:grpSpPr>
+      <p:sp>
+        <p:nvSpPr>
+          <p:cNvPr id="2" name="Title 1"/>
+          <p:cNvSpPr>
+            <a:spLocks noGrp="1"/>
+          </p:cNvSpPr>
+          <p:nvPr>
+            <p:ph type="title"/>
+          </p:nvPr>
+        </p:nvSpPr>
+        <p:spPr/>
+        <p:txBody>
+          <a:bodyPr/>
+          <a:lstStyle/>
+          <a:p>
+            <a:r>
+              <a:rPr lang="en-US" dirty="0"/>
+              <a:t>CRUD operations (CONT.)</a:t>
+            </a:r>
+          </a:p>
+        </p:txBody>
+      </p:sp>
+      <p:sp>
+        <p:nvSpPr>
+          <p:cNvPr id="3" name="Content Placeholder 2"/>
+          <p:cNvSpPr>
+            <a:spLocks noGrp="1"/>
+          </p:cNvSpPr>
+          <p:nvPr>
+            <p:ph idx="1"/>
+          </p:nvPr>
+        </p:nvSpPr>
+        <p:spPr>
+          <a:xfrm>
+            <a:off x="1024128" y="1761275"/>
+            <a:ext cx="10215958" cy="4920879"/>
+          </a:xfrm>
+        </p:spPr>
+        <p:txBody>
+          <a:bodyPr>
+            <a:normAutofit/>
+          </a:bodyPr>
+          <a:lstStyle/>
+          <a:p>
+            <a:pPr>
+              <a:buFont typeface="Wingdings" panose="05000000000000000000" pitchFamily="2" charset="2"/>
+              <a:buChar char="§"/>
+            </a:pPr>
+            <a:r>
+              <a:rPr lang="en-US" dirty="0"/>
+              <a:t> </a:t>
+            </a:r>
+            <a:r>
+              <a:rPr lang="en-US" sz="2000" dirty="0"/>
+              <a:t>CREATE TABLE : Creates a table </a:t>
+            </a:r>
+          </a:p>
+          <a:p>
+            <a:pPr marL="0" indent="0">
+              <a:buNone/>
+            </a:pPr>
+            <a:r>
+              <a:rPr lang="en-US" sz="2000" i="1" dirty="0">
+                <a:solidFill>
+                  <a:schemeClr val="accent4">
+                    <a:lumMod val="75000"/>
+                  </a:schemeClr>
+                </a:solidFill>
+              </a:rPr>
+              <a:t>	</a:t>
+            </a:r>
+            <a:r>
+              <a:rPr lang="en-US" sz="2000" i="1" dirty="0" err="1">
+                <a:solidFill>
+                  <a:schemeClr val="accent4">
+                    <a:lumMod val="75000"/>
+                  </a:schemeClr>
+                </a:solidFill>
+              </a:rPr>
+              <a:t>eg</a:t>
+            </a:r>
+            <a:r>
+              <a:rPr lang="en-US" sz="2000" i="1" dirty="0">
+                <a:solidFill>
+                  <a:schemeClr val="accent4">
+                    <a:lumMod val="75000"/>
+                  </a:schemeClr>
+                </a:solidFill>
+              </a:rPr>
+              <a:t>: hive&gt; CREATE TABLE IF NOT EXISTS employee ( </a:t>
+            </a:r>
+            <a:r>
+              <a:rPr lang="en-US" sz="2000" i="1" dirty="0" err="1">
+                <a:solidFill>
+                  <a:schemeClr val="accent4">
+                    <a:lumMod val="75000"/>
+                  </a:schemeClr>
+                </a:solidFill>
+              </a:rPr>
+              <a:t>eid</a:t>
+            </a:r>
+            <a:r>
+              <a:rPr lang="en-US" sz="2000" i="1" dirty="0">
+                <a:solidFill>
+                  <a:schemeClr val="accent4">
+                    <a:lumMod val="75000"/>
+                  </a:schemeClr>
+                </a:solidFill>
+              </a:rPr>
+              <a:t> </a:t>
+            </a:r>
+            <a:r>
+              <a:rPr lang="en-US" sz="2000" i="1" dirty="0" err="1">
+                <a:solidFill>
+                  <a:schemeClr val="accent4">
+                    <a:lumMod val="75000"/>
+                  </a:schemeClr>
+                </a:solidFill>
+              </a:rPr>
+              <a:t>int</a:t>
+            </a:r>
+            <a:r>
+              <a:rPr lang="en-US" sz="2000" i="1" dirty="0">
+                <a:solidFill>
+                  <a:schemeClr val="accent4">
+                    <a:lumMod val="75000"/>
+                  </a:schemeClr>
+                </a:solidFill>
+              </a:rPr>
+              <a:t>, name String,</a:t>
+            </a:r>
+          </a:p>
+          <a:p>
+            <a:pPr marL="0" indent="0">
+              <a:buNone/>
+            </a:pPr>
+            <a:r>
+              <a:rPr lang="en-US" sz="2000" i="1" dirty="0">
+                <a:solidFill>
+                  <a:schemeClr val="accent4">
+                    <a:lumMod val="75000"/>
+                  </a:schemeClr>
+                </a:solidFill>
+              </a:rPr>
+              <a:t>		salary String, destination String)</a:t>
+            </a:r>
+          </a:p>
+          <a:p>
+            <a:pPr marL="0" indent="0">
+              <a:buNone/>
+            </a:pPr>
+            <a:r>
+              <a:rPr lang="en-US" sz="2000" i="1" dirty="0">
+                <a:solidFill>
+                  <a:schemeClr val="accent4">
+                    <a:lumMod val="75000"/>
+                  </a:schemeClr>
+                </a:solidFill>
+              </a:rPr>
+              <a:t>		COMMENT ‘Employee details’</a:t>
+            </a:r>
+          </a:p>
+          <a:p>
+            <a:pPr marL="0" indent="0">
+              <a:buNone/>
+            </a:pPr>
+            <a:r>
+              <a:rPr lang="en-US" sz="2000" i="1" dirty="0">
+                <a:solidFill>
+                  <a:schemeClr val="accent4">
+                    <a:lumMod val="75000"/>
+                  </a:schemeClr>
+                </a:solidFill>
+              </a:rPr>
+              <a:t>		ROW FORMAT DELIMITED</a:t>
+            </a:r>
+          </a:p>
+          <a:p>
+            <a:pPr marL="0" indent="0">
+              <a:buNone/>
+            </a:pPr>
+            <a:r>
+              <a:rPr lang="en-US" sz="2000" i="1" dirty="0">
+                <a:solidFill>
+                  <a:schemeClr val="accent4">
+                    <a:lumMod val="75000"/>
+                  </a:schemeClr>
+                </a:solidFill>
+              </a:rPr>
+              <a:t>		FIELDS TERMINATED BY ‘\t’</a:t>
+            </a:r>
+          </a:p>
+          <a:p>
+            <a:pPr marL="0" indent="0">
+              <a:buNone/>
+            </a:pPr>
+            <a:r>
+              <a:rPr lang="en-US" sz="2000" i="1" dirty="0">
+                <a:solidFill>
+                  <a:schemeClr val="accent4">
+                    <a:lumMod val="75000"/>
+                  </a:schemeClr>
+                </a:solidFill>
+              </a:rPr>
+              <a:t>		LINES TERMINATED BY ‘\n’</a:t>
+            </a:r>
+          </a:p>
+          <a:p>
+            <a:pPr marL="0" indent="0">
+              <a:buNone/>
+            </a:pPr>
+            <a:r>
+              <a:rPr lang="en-US" sz="2000" i="1" dirty="0">
+                <a:solidFill>
+                  <a:schemeClr val="accent4">
+                    <a:lumMod val="75000"/>
+                  </a:schemeClr>
+                </a:solidFill>
+              </a:rPr>
+              <a:t>		STORED AS TEXTFILE;</a:t>
+            </a:r>
+          </a:p>
+          <a:p>
+            <a:pPr>
+              <a:buFont typeface="Wingdings" panose="05000000000000000000" pitchFamily="2" charset="2"/>
+              <a:buChar char="§"/>
+            </a:pPr>
+            <a:r>
+              <a:rPr lang="en-US" sz="2000" dirty="0"/>
+              <a:t> LOAD DATA: Inserts data into the table</a:t>
+            </a:r>
+          </a:p>
+          <a:p>
+            <a:pPr marL="0" indent="0">
+              <a:buNone/>
+            </a:pPr>
+            <a:r>
+              <a:rPr lang="en-US" sz="2000" dirty="0"/>
+              <a:t> 	</a:t>
+            </a:r>
+            <a:r>
+              <a:rPr lang="en-US" sz="2000" i="1" dirty="0">
+                <a:solidFill>
+                  <a:schemeClr val="accent4">
+                    <a:lumMod val="75000"/>
+                  </a:schemeClr>
+                </a:solidFill>
+              </a:rPr>
+              <a:t>LOAD DATA [LOCAL] INPATH '</a:t>
+            </a:r>
+            <a:r>
+              <a:rPr lang="en-US" sz="2000" i="1" dirty="0" err="1">
+                <a:solidFill>
+                  <a:schemeClr val="accent4">
+                    <a:lumMod val="75000"/>
+                  </a:schemeClr>
+                </a:solidFill>
+              </a:rPr>
+              <a:t>filepath</a:t>
+            </a:r>
+            <a:r>
+              <a:rPr lang="en-US" sz="2000" i="1" dirty="0">
+                <a:solidFill>
+                  <a:schemeClr val="accent4">
+                    <a:lumMod val="75000"/>
+                  </a:schemeClr>
+                </a:solidFill>
+              </a:rPr>
+              <a:t>' [OVERWRITE] INTO TABLE </a:t>
+            </a:r>
+            <a:r>
+              <a:rPr lang="en-US" sz="2000" i="1" dirty="0" err="1">
+                <a:solidFill>
+                  <a:schemeClr val="accent4">
+                    <a:lumMod val="75000"/>
+                  </a:schemeClr>
+                </a:solidFill>
+              </a:rPr>
+              <a:t>tablename</a:t>
+            </a:r>
+            <a:r>
+              <a:rPr lang="en-US" sz="2000" i="1" dirty="0">
+                <a:solidFill>
+                  <a:schemeClr val="accent4">
+                    <a:lumMod val="75000"/>
+                  </a:schemeClr>
+                </a:solidFill>
+              </a:rPr>
+              <a:t> </a:t>
+            </a:r>
+          </a:p>
+          <a:p>
+            <a:pPr marL="0" indent="0">
+              <a:buNone/>
+            </a:pPr>
+            <a:r>
+              <a:rPr lang="en-US" sz="2000" i="1" dirty="0">
+                <a:solidFill>
+                  <a:schemeClr val="accent4">
+                    <a:lumMod val="75000"/>
+                  </a:schemeClr>
+                </a:solidFill>
+              </a:rPr>
+              <a:t>	[PARTITION (partcol1=val1, partcol2=val2 ...)]</a:t>
+            </a:r>
+          </a:p>
+        </p:txBody>
+      </p:sp>
+    </p:spTree>
+    <p:extLst>
+      <p:ext uri="{BB962C8B-B14F-4D97-AF65-F5344CB8AC3E}">
+        <p14:creationId xmlns:p14="http://schemas.microsoft.com/office/powerpoint/2010/main" val="415338729"/>
+      </p:ext>
+    </p:extLst>
+  </p:cSld>
+  <p:clrMapOvr>
+    <a:masterClrMapping/>
+  </p:clrMapOvr>
+</p:sld>
+</file>
+
+<file path=ppt/slides/slide12.xml><?xml version="1.0" encoding="utf-8"?>
+<p:sld xmlns:a="http://schemas.openxmlformats.org/drawingml/2006/main" xmlns:r="http://schemas.openxmlformats.org/officeDocument/2006/relationships" xmlns:p="http://schemas.openxmlformats.org/presentationml/2006/main">
+  <p:cSld>
+    <p:spTree>
+      <p:nvGrpSpPr>
+        <p:cNvPr id="1" name=""/>
+        <p:cNvGrpSpPr/>
+        <p:nvPr/>
+      </p:nvGrpSpPr>
+      <p:grpSpPr>
+        <a:xfrm>
+          <a:off x="0" y="0"/>
+          <a:ext cx="0" cy="0"/>
+          <a:chOff x="0" y="0"/>
+          <a:chExt cx="0" cy="0"/>
+        </a:xfrm>
+      </p:grpSpPr>
+      <p:sp>
+        <p:nvSpPr>
+          <p:cNvPr id="2" name="Title 1"/>
+          <p:cNvSpPr>
+            <a:spLocks noGrp="1"/>
+          </p:cNvSpPr>
+          <p:nvPr>
+            <p:ph type="title"/>
+          </p:nvPr>
+        </p:nvSpPr>
+        <p:spPr/>
+        <p:txBody>
+          <a:bodyPr/>
+          <a:lstStyle/>
+          <a:p>
+            <a:r>
+              <a:rPr lang="en-US" dirty="0"/>
+              <a:t>CRUD operations (CONT.)</a:t>
+            </a:r>
+          </a:p>
+        </p:txBody>
+      </p:sp>
+      <p:sp>
+        <p:nvSpPr>
+          <p:cNvPr id="3" name="Content Placeholder 2"/>
+          <p:cNvSpPr>
+            <a:spLocks noGrp="1"/>
+          </p:cNvSpPr>
+          <p:nvPr>
+            <p:ph idx="1"/>
+          </p:nvPr>
+        </p:nvSpPr>
+        <p:spPr>
+          <a:xfrm>
+            <a:off x="1024128" y="1845682"/>
+            <a:ext cx="10581718" cy="4892743"/>
+          </a:xfrm>
+        </p:spPr>
+        <p:txBody>
+          <a:bodyPr>
+            <a:normAutofit lnSpcReduction="10000"/>
+          </a:bodyPr>
+          <a:lstStyle/>
+          <a:p>
+            <a:pPr>
+              <a:buFont typeface="Wingdings" panose="05000000000000000000" pitchFamily="2" charset="2"/>
+              <a:buChar char="§"/>
+            </a:pPr>
+            <a:r>
+              <a:rPr lang="en-US" sz="2000" dirty="0"/>
+              <a:t> LOAD DATA: Inserts data into the table</a:t>
+            </a:r>
+          </a:p>
+          <a:p>
+            <a:pPr marL="0" indent="0">
+              <a:buNone/>
+            </a:pPr>
+            <a:r>
+              <a:rPr lang="en-US" sz="2000" dirty="0"/>
+              <a:t> 	</a:t>
+            </a:r>
+            <a:r>
+              <a:rPr lang="en-US" sz="2000" dirty="0" err="1">
+                <a:solidFill>
+                  <a:schemeClr val="accent4">
+                    <a:lumMod val="75000"/>
+                  </a:schemeClr>
+                </a:solidFill>
+              </a:rPr>
+              <a:t>eg</a:t>
+            </a:r>
+            <a:r>
+              <a:rPr lang="en-US" sz="2000" dirty="0">
+                <a:solidFill>
+                  <a:schemeClr val="accent4">
+                    <a:lumMod val="75000"/>
+                  </a:schemeClr>
+                </a:solidFill>
+              </a:rPr>
+              <a:t>: hive&gt; LOAD DATA LOCAL INPATH '/home/user/sample.txt'</a:t>
+            </a:r>
+          </a:p>
+          <a:p>
+            <a:pPr marL="0" indent="0">
+              <a:buNone/>
+            </a:pPr>
+            <a:r>
+              <a:rPr lang="en-US" sz="2000" dirty="0">
+                <a:solidFill>
+                  <a:schemeClr val="accent4">
+                    <a:lumMod val="75000"/>
+                  </a:schemeClr>
+                </a:solidFill>
+              </a:rPr>
+              <a:t>		 OVERWRITE INTO TABLE employee;</a:t>
+            </a:r>
+          </a:p>
+          <a:p>
+            <a:pPr>
+              <a:buFont typeface="Wingdings" panose="05000000000000000000" pitchFamily="2" charset="2"/>
+              <a:buChar char="§"/>
+            </a:pPr>
+            <a:r>
+              <a:rPr lang="en-US" sz="2000" i="1" dirty="0">
+                <a:solidFill>
+                  <a:schemeClr val="accent4">
+                    <a:lumMod val="75000"/>
+                  </a:schemeClr>
+                </a:solidFill>
+              </a:rPr>
+              <a:t> </a:t>
+            </a:r>
+            <a:r>
+              <a:rPr lang="en-US" sz="2000" dirty="0"/>
+              <a:t>ALTER TABLE: We can alter the attributes of the table such as changing its table name, changing column names, adding columns and deleting or replacing columns</a:t>
+            </a:r>
+            <a:endParaRPr lang="en-US" sz="1600" dirty="0"/>
+          </a:p>
+          <a:p>
+            <a:pPr marL="0" indent="0">
+              <a:buNone/>
+            </a:pPr>
+            <a:r>
+              <a:rPr lang="en-US" sz="2000" i="1" dirty="0">
+                <a:solidFill>
+                  <a:schemeClr val="accent4">
+                    <a:lumMod val="75000"/>
+                  </a:schemeClr>
+                </a:solidFill>
+              </a:rPr>
+              <a:t>	ALTER TABLE name RENAME TO </a:t>
+            </a:r>
+            <a:r>
+              <a:rPr lang="en-US" sz="2000" i="1" dirty="0" err="1">
+                <a:solidFill>
+                  <a:schemeClr val="accent4">
+                    <a:lumMod val="75000"/>
+                  </a:schemeClr>
+                </a:solidFill>
+              </a:rPr>
+              <a:t>new_name</a:t>
+            </a:r>
+            <a:endParaRPr lang="en-US" sz="2000" i="1" dirty="0">
+              <a:solidFill>
+                <a:schemeClr val="accent4">
+                  <a:lumMod val="75000"/>
+                </a:schemeClr>
+              </a:solidFill>
+            </a:endParaRPr>
+          </a:p>
+          <a:p>
+            <a:pPr marL="0" indent="0">
+              <a:buNone/>
+            </a:pPr>
+            <a:r>
+              <a:rPr lang="en-US" sz="2000" i="1" dirty="0">
+                <a:solidFill>
+                  <a:schemeClr val="accent4">
+                    <a:lumMod val="75000"/>
+                  </a:schemeClr>
+                </a:solidFill>
+              </a:rPr>
+              <a:t>	ALTER TABLE name ADD COLUMNS (</a:t>
+            </a:r>
+            <a:r>
+              <a:rPr lang="en-US" sz="2000" i="1" dirty="0" err="1">
+                <a:solidFill>
+                  <a:schemeClr val="accent4">
+                    <a:lumMod val="75000"/>
+                  </a:schemeClr>
+                </a:solidFill>
+              </a:rPr>
+              <a:t>col_spec</a:t>
+            </a:r>
+            <a:r>
+              <a:rPr lang="en-US" sz="2000" i="1" dirty="0">
+                <a:solidFill>
+                  <a:schemeClr val="accent4">
+                    <a:lumMod val="75000"/>
+                  </a:schemeClr>
+                </a:solidFill>
+              </a:rPr>
+              <a:t>[, </a:t>
+            </a:r>
+            <a:r>
+              <a:rPr lang="en-US" sz="2000" i="1" dirty="0" err="1">
+                <a:solidFill>
+                  <a:schemeClr val="accent4">
+                    <a:lumMod val="75000"/>
+                  </a:schemeClr>
+                </a:solidFill>
+              </a:rPr>
+              <a:t>col_spec</a:t>
+            </a:r>
+            <a:r>
+              <a:rPr lang="en-US" sz="2000" i="1" dirty="0">
+                <a:solidFill>
+                  <a:schemeClr val="accent4">
+                    <a:lumMod val="75000"/>
+                  </a:schemeClr>
+                </a:solidFill>
+              </a:rPr>
+              <a:t> ...])</a:t>
+            </a:r>
+          </a:p>
+          <a:p>
+            <a:pPr marL="0" indent="0">
+              <a:buNone/>
+            </a:pPr>
+            <a:r>
+              <a:rPr lang="en-US" sz="2000" i="1" dirty="0">
+                <a:solidFill>
+                  <a:schemeClr val="accent4">
+                    <a:lumMod val="75000"/>
+                  </a:schemeClr>
+                </a:solidFill>
+              </a:rPr>
+              <a:t>	ALTER TABLE name DROP [COLUMN] </a:t>
+            </a:r>
+            <a:r>
+              <a:rPr lang="en-US" sz="2000" i="1" dirty="0" err="1">
+                <a:solidFill>
+                  <a:schemeClr val="accent4">
+                    <a:lumMod val="75000"/>
+                  </a:schemeClr>
+                </a:solidFill>
+              </a:rPr>
+              <a:t>column_name</a:t>
+            </a:r>
+            <a:endParaRPr lang="en-US" sz="2000" i="1" dirty="0">
+              <a:solidFill>
+                <a:schemeClr val="accent4">
+                  <a:lumMod val="75000"/>
+                </a:schemeClr>
+              </a:solidFill>
+            </a:endParaRPr>
+          </a:p>
+          <a:p>
+            <a:pPr marL="0" indent="0">
+              <a:buNone/>
+            </a:pPr>
+            <a:r>
+              <a:rPr lang="en-US" sz="2000" i="1" dirty="0">
+                <a:solidFill>
+                  <a:schemeClr val="accent4">
+                    <a:lumMod val="75000"/>
+                  </a:schemeClr>
+                </a:solidFill>
+              </a:rPr>
+              <a:t>	ALTER TABLE name CHANGE </a:t>
+            </a:r>
+            <a:r>
+              <a:rPr lang="en-US" sz="2000" i="1" dirty="0" err="1">
+                <a:solidFill>
+                  <a:schemeClr val="accent4">
+                    <a:lumMod val="75000"/>
+                  </a:schemeClr>
+                </a:solidFill>
+              </a:rPr>
+              <a:t>column_name</a:t>
+            </a:r>
+            <a:r>
+              <a:rPr lang="en-US" sz="2000" i="1" dirty="0">
+                <a:solidFill>
+                  <a:schemeClr val="accent4">
+                    <a:lumMod val="75000"/>
+                  </a:schemeClr>
+                </a:solidFill>
+              </a:rPr>
+              <a:t> </a:t>
+            </a:r>
+            <a:r>
+              <a:rPr lang="en-US" sz="2000" i="1" dirty="0" err="1">
+                <a:solidFill>
+                  <a:schemeClr val="accent4">
+                    <a:lumMod val="75000"/>
+                  </a:schemeClr>
+                </a:solidFill>
+              </a:rPr>
+              <a:t>new_name</a:t>
+            </a:r>
+            <a:r>
+              <a:rPr lang="en-US" sz="2000" i="1" dirty="0">
+                <a:solidFill>
+                  <a:schemeClr val="accent4">
+                    <a:lumMod val="75000"/>
+                  </a:schemeClr>
+                </a:solidFill>
+              </a:rPr>
+              <a:t> </a:t>
+            </a:r>
+            <a:r>
+              <a:rPr lang="en-US" sz="2000" i="1" dirty="0" err="1">
+                <a:solidFill>
+                  <a:schemeClr val="accent4">
+                    <a:lumMod val="75000"/>
+                  </a:schemeClr>
+                </a:solidFill>
+              </a:rPr>
+              <a:t>new_type</a:t>
+            </a:r>
+            <a:endParaRPr lang="en-US" sz="2000" i="1" dirty="0">
+              <a:solidFill>
+                <a:schemeClr val="accent4">
+                  <a:lumMod val="75000"/>
+                </a:schemeClr>
+              </a:solidFill>
+            </a:endParaRPr>
+          </a:p>
+          <a:p>
+            <a:pPr>
+              <a:buFont typeface="Wingdings" panose="05000000000000000000" pitchFamily="2" charset="2"/>
+              <a:buChar char="§"/>
+            </a:pPr>
+            <a:r>
+              <a:rPr lang="en-US" sz="2000" dirty="0"/>
+              <a:t> DELETE TABLE: Drop a table which removes the table and column data along with their metadata</a:t>
+            </a:r>
+          </a:p>
+          <a:p>
+            <a:pPr marL="0" indent="0">
+              <a:buNone/>
+            </a:pPr>
+            <a:r>
+              <a:rPr lang="en-US" sz="2000" i="1" dirty="0">
+                <a:solidFill>
+                  <a:schemeClr val="accent4">
+                    <a:lumMod val="75000"/>
+                  </a:schemeClr>
+                </a:solidFill>
+              </a:rPr>
+              <a:t>	DROP TABLE [IF EXISTS] </a:t>
+            </a:r>
+            <a:r>
+              <a:rPr lang="en-US" sz="2000" i="1" dirty="0" err="1">
+                <a:solidFill>
+                  <a:schemeClr val="accent4">
+                    <a:lumMod val="75000"/>
+                  </a:schemeClr>
+                </a:solidFill>
+              </a:rPr>
+              <a:t>table_name</a:t>
+            </a:r>
+            <a:r>
+              <a:rPr lang="en-US" sz="2000" i="1" dirty="0">
+                <a:solidFill>
+                  <a:schemeClr val="accent4">
+                    <a:lumMod val="75000"/>
+                  </a:schemeClr>
+                </a:solidFill>
+              </a:rPr>
+              <a:t>;</a:t>
+            </a:r>
+          </a:p>
+          <a:p>
+            <a:pPr marL="0" indent="0">
+              <a:buNone/>
+            </a:pPr>
+            <a:r>
+              <a:rPr lang="en-US" sz="2000" i="1" dirty="0">
+                <a:solidFill>
+                  <a:schemeClr val="accent4">
+                    <a:lumMod val="75000"/>
+                  </a:schemeClr>
+                </a:solidFill>
+              </a:rPr>
+              <a:t>	</a:t>
+            </a:r>
+            <a:r>
+              <a:rPr lang="en-US" sz="2000" i="1" dirty="0" err="1">
+                <a:solidFill>
+                  <a:schemeClr val="accent4">
+                    <a:lumMod val="75000"/>
+                  </a:schemeClr>
+                </a:solidFill>
+              </a:rPr>
+              <a:t>eg</a:t>
+            </a:r>
+            <a:r>
+              <a:rPr lang="en-US" sz="2000" i="1" dirty="0">
+                <a:solidFill>
+                  <a:schemeClr val="accent4">
+                    <a:lumMod val="75000"/>
+                  </a:schemeClr>
+                </a:solidFill>
+              </a:rPr>
+              <a:t>: hive&gt; DROP TABLE IF EXISTS employee;</a:t>
+            </a:r>
+          </a:p>
+          <a:p>
+            <a:pPr marL="0" indent="0">
+              <a:buNone/>
+            </a:pPr>
+            <a:endParaRPr lang="en-US" sz="2000" i="1" dirty="0">
+              <a:solidFill>
+                <a:schemeClr val="accent4">
+                  <a:lumMod val="75000"/>
+                </a:schemeClr>
+              </a:solidFill>
+            </a:endParaRPr>
+          </a:p>
+        </p:txBody>
+      </p:sp>
+    </p:spTree>
+    <p:extLst>
+      <p:ext uri="{BB962C8B-B14F-4D97-AF65-F5344CB8AC3E}">
+        <p14:creationId xmlns:p14="http://schemas.microsoft.com/office/powerpoint/2010/main" val="3540134504"/>
+      </p:ext>
+    </p:extLst>
+  </p:cSld>
+  <p:clrMapOvr>
+    <a:masterClrMapping/>
+  </p:clrMapOvr>
+</p:sld>
+</file>
+
+<file path=ppt/slides/slide13.xml><?xml version="1.0" encoding="utf-8"?>
+<p:sld xmlns:a="http://schemas.openxmlformats.org/drawingml/2006/main" xmlns:r="http://schemas.openxmlformats.org/officeDocument/2006/relationships" xmlns:p="http://schemas.openxmlformats.org/presentationml/2006/main">
+  <p:cSld>
+    <p:spTree>
+      <p:nvGrpSpPr>
+        <p:cNvPr id="1" name=""/>
+        <p:cNvGrpSpPr/>
+        <p:nvPr/>
+      </p:nvGrpSpPr>
+      <p:grpSpPr>
+        <a:xfrm>
+          <a:off x="0" y="0"/>
+          <a:ext cx="0" cy="0"/>
+          <a:chOff x="0" y="0"/>
+          <a:chExt cx="0" cy="0"/>
+        </a:xfrm>
+      </p:grpSpPr>
+      <p:sp>
+        <p:nvSpPr>
+          <p:cNvPr id="2" name="Title 1"/>
+          <p:cNvSpPr>
+            <a:spLocks noGrp="1"/>
+          </p:cNvSpPr>
+          <p:nvPr>
+            <p:ph type="title"/>
+          </p:nvPr>
+        </p:nvSpPr>
+        <p:spPr/>
+        <p:txBody>
+          <a:bodyPr/>
+          <a:lstStyle/>
+          <a:p>
+            <a:r>
+              <a:rPr lang="en-US" dirty="0"/>
+              <a:t>references</a:t>
+            </a:r>
+          </a:p>
+        </p:txBody>
+      </p:sp>
+      <p:sp>
+        <p:nvSpPr>
+          <p:cNvPr id="3" name="Content Placeholder 2"/>
+          <p:cNvSpPr>
+            <a:spLocks noGrp="1"/>
+          </p:cNvSpPr>
+          <p:nvPr>
+            <p:ph idx="1"/>
+          </p:nvPr>
+        </p:nvSpPr>
+        <p:spPr/>
+        <p:txBody>
+          <a:bodyPr/>
+          <a:lstStyle/>
+          <a:p>
+            <a:pPr marL="0" indent="0">
+              <a:buNone/>
+            </a:pPr>
+            <a:r>
+              <a:rPr lang="en-US" dirty="0">
+                <a:hlinkClick r:id="rId2"/>
+              </a:rPr>
+              <a:t>https://www.tutorialspoint.com/hive/</a:t>
+            </a:r>
+            <a:endParaRPr lang="en-US" dirty="0"/>
+          </a:p>
+          <a:p>
+            <a:pPr marL="0" indent="0">
+              <a:buNone/>
+            </a:pPr>
+            <a:r>
+              <a:rPr lang="en-US" dirty="0">
+                <a:hlinkClick r:id="rId3"/>
+              </a:rPr>
+              <a:t>https://en.wikipedia.org/wiki/Apache_Hive</a:t>
+            </a:r>
+            <a:endParaRPr lang="en-US" dirty="0"/>
+          </a:p>
+          <a:p>
+            <a:pPr marL="0" indent="0">
+              <a:buNone/>
+            </a:pPr>
+            <a:r>
+              <a:rPr lang="en-US" dirty="0">
+                <a:hlinkClick r:id="rId4"/>
+              </a:rPr>
+              <a:t>https://baondp.wordpress.com/2015/10/13/build-hadoophive-developmentlearning-environment-on-docker/</a:t>
+            </a:r>
+            <a:endParaRPr lang="en-US" dirty="0"/>
+          </a:p>
+          <a:p>
+            <a:endParaRPr lang="en-US" dirty="0"/>
+          </a:p>
+        </p:txBody>
+      </p:sp>
+    </p:spTree>
+    <p:extLst>
+      <p:ext uri="{BB962C8B-B14F-4D97-AF65-F5344CB8AC3E}">
+        <p14:creationId xmlns:p14="http://schemas.microsoft.com/office/powerpoint/2010/main" val="2008529846"/>
+      </p:ext>
+    </p:extLst>
+  </p:cSld>
+  <p:clrMapOvr>
+    <a:masterClrMapping/>
+  </p:clrMapOvr>
+</p:sld>
+</file>
+
+<file path=ppt/slides/slide14.xml><?xml version="1.0" encoding="utf-8"?>
+<p:sld xmlns:a="http://schemas.openxmlformats.org/drawingml/2006/main" xmlns:r="http://schemas.openxmlformats.org/officeDocument/2006/relationships" xmlns:p="http://schemas.openxmlformats.org/presentationml/2006/main">
+  <p:cSld>
+    <p:spTree>
+      <p:nvGrpSpPr>
+        <p:cNvPr id="1" name=""/>
+        <p:cNvGrpSpPr/>
+        <p:nvPr/>
+      </p:nvGrpSpPr>
+      <p:grpSpPr>
+        <a:xfrm>
+          <a:off x="0" y="0"/>
+          <a:ext cx="0" cy="0"/>
+          <a:chOff x="0" y="0"/>
+          <a:chExt cx="0" cy="0"/>
+        </a:xfrm>
+      </p:grpSpPr>
+      <p:sp>
+        <p:nvSpPr>
+          <p:cNvPr id="2" name="Title 1"/>
+          <p:cNvSpPr>
+            <a:spLocks noGrp="1"/>
+          </p:cNvSpPr>
+          <p:nvPr>
+            <p:ph type="title"/>
+          </p:nvPr>
+        </p:nvSpPr>
+        <p:spPr/>
+        <p:txBody>
+          <a:bodyPr/>
+          <a:lstStyle/>
+          <a:p>
+            <a:r>
+              <a:rPr lang="en-US" dirty="0"/>
+              <a:t>conclusion</a:t>
+            </a:r>
+          </a:p>
+        </p:txBody>
+      </p:sp>
+      <p:sp>
+        <p:nvSpPr>
+          <p:cNvPr id="3" name="Content Placeholder 2"/>
+          <p:cNvSpPr>
+            <a:spLocks noGrp="1"/>
+          </p:cNvSpPr>
+          <p:nvPr>
+            <p:ph idx="1"/>
+          </p:nvPr>
+        </p:nvSpPr>
+        <p:spPr/>
+        <p:txBody>
+          <a:bodyPr/>
+          <a:lstStyle/>
+          <a:p>
+            <a:r>
+              <a:rPr lang="en-US" dirty="0"/>
+              <a:t>If you are already familiar with SQL working with Hadoop becomes very easy thanks to Apache Hive. To compare SQL and </a:t>
+            </a:r>
+            <a:r>
+              <a:rPr lang="en-US" dirty="0" err="1"/>
+              <a:t>HiveQL</a:t>
+            </a:r>
+            <a:r>
+              <a:rPr lang="en-US" dirty="0"/>
+              <a:t> refer to the below mentioned link</a:t>
+            </a:r>
+          </a:p>
+          <a:p>
+            <a:r>
+              <a:rPr lang="en-US" dirty="0">
+                <a:hlinkClick r:id="rId2"/>
+              </a:rPr>
+              <a:t>https://hortonworks.com/blog/hive-cheat-sheet-for-sql-users/</a:t>
+            </a:r>
+            <a:endParaRPr lang="en-US" dirty="0"/>
+          </a:p>
+          <a:p>
+            <a:endParaRPr lang="en-US" dirty="0"/>
+          </a:p>
+          <a:p>
+            <a:pPr algn="ctr"/>
+            <a:r>
+              <a:rPr lang="en-US" sz="2800" dirty="0"/>
+              <a:t>THANK YOU!!</a:t>
+            </a:r>
+          </a:p>
+          <a:p>
+            <a:endParaRPr lang="en-US" dirty="0"/>
+          </a:p>
+        </p:txBody>
+      </p:sp>
+    </p:spTree>
+    <p:extLst>
+      <p:ext uri="{BB962C8B-B14F-4D97-AF65-F5344CB8AC3E}">
+        <p14:creationId xmlns:p14="http://schemas.microsoft.com/office/powerpoint/2010/main" val="1507506949"/>
+      </p:ext>
+    </p:extLst>
+  </p:cSld>
+  <p:clrMapOvr>
+    <a:masterClrMapping/>
+  </p:clrMapOvr>
+</p:sld>
+</file>
+
 <file path=ppt/slides/slide2.xml><?xml version="1.0" encoding="utf-8"?>
 <p:sld xmlns:a="http://schemas.openxmlformats.org/drawingml/2006/main" xmlns:r="http://schemas.openxmlformats.org/officeDocument/2006/relationships" xmlns:p="http://schemas.openxmlformats.org/presentationml/2006/main">
   <p:cSld>
@@ -3840,7 +5340,7 @@
               <a:buNone/>
             </a:pPr>
             <a:r>
-              <a:rPr lang="en-US" sz="2300" dirty="0"/>
+              <a:rPr lang="en-US" sz="2000" dirty="0"/>
               <a:t>Different ways of performing MapReduce operations:</a:t>
             </a:r>
           </a:p>
@@ -3850,7 +5350,7 @@
               <a:buChar char="§"/>
             </a:pPr>
             <a:r>
-              <a:rPr lang="en-US" sz="2300" dirty="0"/>
+              <a:rPr lang="en-US" sz="2000" dirty="0"/>
               <a:t> Building a Java MapReduce program to process structured, semi-structured, and unstructured data</a:t>
             </a:r>
           </a:p>
@@ -3860,7 +5360,7 @@
               <a:buChar char="§"/>
             </a:pPr>
             <a:r>
-              <a:rPr lang="en-US" sz="2300" dirty="0"/>
+              <a:rPr lang="en-US" sz="2000" dirty="0"/>
               <a:t> Building scripts in Pig to process structured and semi-structured data</a:t>
             </a:r>
           </a:p>
@@ -3870,15 +5370,15 @@
               <a:buChar char="§"/>
             </a:pPr>
             <a:r>
-              <a:rPr lang="en-US" sz="2300" dirty="0"/>
+              <a:rPr lang="en-US" sz="2000" dirty="0"/>
               <a:t> Using </a:t>
             </a:r>
             <a:r>
-              <a:rPr lang="en-US" sz="2300" dirty="0" err="1"/>
+              <a:rPr lang="en-US" sz="2000" dirty="0" err="1"/>
               <a:t>HiveQL</a:t>
             </a:r>
             <a:r>
-              <a:rPr lang="en-US" sz="2300" dirty="0"/>
+              <a:rPr lang="en-US" sz="2000" dirty="0"/>
               <a:t> for MapReduce to process structured data using Hive</a:t>
             </a:r>
           </a:p>
@@ -4390,7 +5890,7 @@
               <a:buNone/>
             </a:pPr>
             <a:r>
-              <a:rPr lang="en-US" sz="2300" dirty="0"/>
+              <a:rPr lang="en-US" sz="2400" u="sng" dirty="0"/>
               <a:t>Components and their interaction:</a:t>
             </a:r>
           </a:p>
@@ -4400,17 +5900,23 @@
               <a:buChar char="§"/>
             </a:pPr>
             <a:r>
-              <a:rPr lang="en-US" sz="2300" dirty="0"/>
+              <a:rPr lang="en-US" sz="2000" dirty="0"/>
               <a:t> </a:t>
             </a:r>
             <a:r>
-              <a:rPr lang="en-US" sz="2300" u="sng" dirty="0"/>
+              <a:rPr lang="en-US" sz="2000" u="sng" dirty="0"/>
               <a:t>METASTORE</a:t>
             </a:r>
             <a:r>
-              <a:rPr lang="en-US" sz="2300" dirty="0"/>
+              <a:rPr lang="en-US" sz="2000" dirty="0"/>
               <a:t>: Stores the metadata for each of the table such as their schema, location, data types, HDFS mapping</a:t>
             </a:r>
+          </a:p>
+          <a:p>
+            <a:pPr marL="0" indent="0">
+              <a:buNone/>
+            </a:pPr>
+            <a:endParaRPr lang="en-US" sz="2000" dirty="0"/>
           </a:p>
           <a:p>
             <a:pPr>
@@ -4418,31 +5924,31 @@
               <a:buChar char="§"/>
             </a:pPr>
             <a:r>
-              <a:rPr lang="en-US" sz="2300" dirty="0"/>
+              <a:rPr lang="en-US" sz="2000" dirty="0"/>
               <a:t> </a:t>
             </a:r>
             <a:r>
-              <a:rPr lang="en-US" sz="2300" u="sng" dirty="0"/>
+              <a:rPr lang="en-US" sz="2000" u="sng" dirty="0"/>
               <a:t>DRIVER</a:t>
             </a:r>
             <a:r>
-              <a:rPr lang="en-US" sz="2300" dirty="0"/>
+              <a:rPr lang="en-US" sz="2000" dirty="0"/>
               <a:t>: Receives the </a:t>
             </a:r>
             <a:r>
-              <a:rPr lang="en-US" sz="2300" dirty="0" err="1"/>
+              <a:rPr lang="en-US" sz="2000" dirty="0" err="1"/>
               <a:t>HiveQL</a:t>
             </a:r>
             <a:r>
-              <a:rPr lang="en-US" sz="2300" dirty="0"/>
+              <a:rPr lang="en-US" sz="2000" dirty="0"/>
               <a:t> statements, creates a session and starts the execution of statements, monitors the life cycle and progress of execution. Stores the metadata that is generated in the </a:t>
             </a:r>
             <a:r>
-              <a:rPr lang="en-US" sz="2300" dirty="0" err="1"/>
+              <a:rPr lang="en-US" sz="2000" dirty="0" err="1"/>
               <a:t>metastore</a:t>
             </a:r>
             <a:r>
-              <a:rPr lang="en-US" sz="2300" dirty="0"/>
+              <a:rPr lang="en-US" sz="2000" dirty="0"/>
               <a:t>. Fetches the results generated by the Reduce operation. Driver has its components namely, Compiler, Optimizer and Executor.</a:t>
             </a:r>
           </a:p>
@@ -4554,7 +6060,7 @@
         </p:spPr>
         <p:txBody>
           <a:bodyPr vert="horz" lIns="45720" tIns="45720" rIns="45720" bIns="45720" rtlCol="0">
-            <a:normAutofit/>
+            <a:normAutofit fontScale="92500" lnSpcReduction="10000"/>
           </a:bodyPr>
           <a:lstStyle>
             <a:lvl1pPr marL="91440" indent="-91440" algn="l" defTabSz="914400" rtl="0" eaLnBrk="1" latinLnBrk="0" hangingPunct="1">
@@ -4781,7 +6287,7 @@
               <a:buNone/>
             </a:pPr>
             <a:r>
-              <a:rPr lang="en-US" sz="2300" dirty="0"/>
+              <a:rPr lang="en-US" sz="2400" u="sng" dirty="0"/>
               <a:t>Components and their interaction:</a:t>
             </a:r>
           </a:p>
@@ -4795,21 +6301,27 @@
               <a:t> </a:t>
             </a:r>
             <a:r>
-              <a:rPr lang="en-US" sz="2300" u="sng" dirty="0"/>
+              <a:rPr lang="en-US" sz="2000" u="sng" dirty="0"/>
               <a:t>COMPILER</a:t>
             </a:r>
             <a:r>
-              <a:rPr lang="en-US" sz="2300" dirty="0"/>
+              <a:rPr lang="en-US" sz="2000" dirty="0"/>
               <a:t>: Complies the HQL query and converts it into an execution plan </a:t>
             </a:r>
             <a:r>
-              <a:rPr lang="en-US" sz="2300" dirty="0" err="1"/>
+              <a:rPr lang="en-US" sz="2000" dirty="0" err="1"/>
               <a:t>i.e</a:t>
             </a:r>
             <a:r>
-              <a:rPr lang="en-US" sz="2300" dirty="0"/>
+              <a:rPr lang="en-US" sz="2000" dirty="0"/>
               <a:t> determine the tasks and steps needed to be performed by MapReduce </a:t>
             </a:r>
+          </a:p>
+          <a:p>
+            <a:pPr marL="0" indent="0">
+              <a:buNone/>
+            </a:pPr>
+            <a:endParaRPr lang="en-US" sz="2000" dirty="0"/>
           </a:p>
           <a:p>
             <a:pPr>
@@ -4817,17 +6329,23 @@
               <a:buChar char="§"/>
             </a:pPr>
             <a:r>
-              <a:rPr lang="en-US" sz="2300" dirty="0"/>
+              <a:rPr lang="en-US" sz="2000" dirty="0"/>
               <a:t> </a:t>
             </a:r>
             <a:r>
-              <a:rPr lang="en-US" sz="2300" u="sng" dirty="0"/>
+              <a:rPr lang="en-US" sz="2000" u="sng" dirty="0"/>
               <a:t>OPTIMIZER</a:t>
             </a:r>
             <a:r>
-              <a:rPr lang="en-US" sz="2300" dirty="0"/>
+              <a:rPr lang="en-US" sz="2000" dirty="0"/>
               <a:t>: Perform transformations on the execution plan to optimize the operations</a:t>
             </a:r>
+          </a:p>
+          <a:p>
+            <a:pPr marL="0" indent="0">
+              <a:buNone/>
+            </a:pPr>
+            <a:endParaRPr lang="en-US" sz="2000" dirty="0"/>
           </a:p>
           <a:p>
             <a:pPr>
@@ -4835,17 +6353,23 @@
               <a:buChar char="§"/>
             </a:pPr>
             <a:r>
-              <a:rPr lang="en-US" sz="2300" dirty="0"/>
+              <a:rPr lang="en-US" sz="2000" dirty="0"/>
               <a:t> </a:t>
             </a:r>
             <a:r>
-              <a:rPr lang="en-US" sz="2300" u="sng" dirty="0"/>
+              <a:rPr lang="en-US" sz="2000" u="sng" dirty="0"/>
               <a:t>EXECUTOR</a:t>
             </a:r>
             <a:r>
-              <a:rPr lang="en-US" sz="2300" dirty="0"/>
+              <a:rPr lang="en-US" sz="2000" dirty="0"/>
               <a:t>: Execute the tasks by interacting with Hadoop’s job tracker </a:t>
             </a:r>
+          </a:p>
+          <a:p>
+            <a:pPr marL="0" indent="0">
+              <a:buNone/>
+            </a:pPr>
+            <a:endParaRPr lang="en-US" sz="2000" dirty="0"/>
           </a:p>
           <a:p>
             <a:pPr>
@@ -4853,15 +6377,15 @@
               <a:buChar char="§"/>
             </a:pPr>
             <a:r>
-              <a:rPr lang="en-US" sz="2300" dirty="0"/>
+              <a:rPr lang="en-US" sz="2000" dirty="0"/>
               <a:t> </a:t>
             </a:r>
             <a:r>
-              <a:rPr lang="en-US" sz="2300" u="sng" dirty="0"/>
+              <a:rPr lang="en-US" sz="2000" u="sng" dirty="0"/>
               <a:t>THRIFT SERVICES</a:t>
             </a:r>
             <a:r>
-              <a:rPr lang="en-US" sz="2300" dirty="0"/>
+              <a:rPr lang="en-US" sz="2000" dirty="0"/>
               <a:t>: Allows the interaction between clients and Hive</a:t>
             </a:r>
           </a:p>
@@ -5010,12 +6534,118 @@
             <p:ph idx="1"/>
           </p:nvPr>
         </p:nvSpPr>
-        <p:spPr/>
-        <p:txBody>
-          <a:bodyPr/>
+        <p:spPr>
+          <a:xfrm>
+            <a:off x="1024127" y="1948374"/>
+            <a:ext cx="9720073" cy="4719711"/>
+          </a:xfrm>
+        </p:spPr>
+        <p:txBody>
+          <a:bodyPr>
+            <a:normAutofit/>
+          </a:bodyPr>
           <a:lstStyle/>
           <a:p>
-            <a:endParaRPr lang="en-US" dirty="0"/>
+            <a:pPr>
+              <a:buFont typeface="Wingdings" panose="05000000000000000000" pitchFamily="2" charset="2"/>
+              <a:buChar char="Ø"/>
+            </a:pPr>
+            <a:r>
+              <a:rPr lang="en-US" sz="2800" u="sng" dirty="0"/>
+              <a:t>Requirements</a:t>
+            </a:r>
+          </a:p>
+          <a:p>
+            <a:pPr lvl="1">
+              <a:buFont typeface="Wingdings" panose="05000000000000000000" pitchFamily="2" charset="2"/>
+              <a:buChar char="§"/>
+            </a:pPr>
+            <a:r>
+              <a:rPr lang="en-US" dirty="0"/>
+              <a:t> </a:t>
+            </a:r>
+            <a:r>
+              <a:rPr lang="en-US" sz="2000" dirty="0"/>
+              <a:t>Java 1.7 (preferred)</a:t>
+            </a:r>
+          </a:p>
+          <a:p>
+            <a:pPr lvl="1">
+              <a:buFont typeface="Wingdings" panose="05000000000000000000" pitchFamily="2" charset="2"/>
+              <a:buChar char="§"/>
+            </a:pPr>
+            <a:r>
+              <a:rPr lang="en-US" sz="2000" dirty="0"/>
+              <a:t> Hadoop 2.x (preferred), 1.x (not supported by Hive 2.0.0 onward)</a:t>
+            </a:r>
+          </a:p>
+          <a:p>
+            <a:pPr lvl="1">
+              <a:buFont typeface="Wingdings" panose="05000000000000000000" pitchFamily="2" charset="2"/>
+              <a:buChar char="§"/>
+            </a:pPr>
+            <a:r>
+              <a:rPr lang="en-US" sz="2000" dirty="0"/>
+              <a:t> Hadoop running in distributed mode </a:t>
+            </a:r>
+          </a:p>
+          <a:p>
+            <a:pPr>
+              <a:buFont typeface="Wingdings" panose="05000000000000000000" pitchFamily="2" charset="2"/>
+              <a:buChar char="Ø"/>
+            </a:pPr>
+            <a:r>
+              <a:rPr lang="en-US" sz="2800" u="sng" dirty="0"/>
+              <a:t>Installation instructions on Windows/Mac/Linux</a:t>
+            </a:r>
+          </a:p>
+          <a:p>
+            <a:pPr marL="128016" lvl="1" indent="0">
+              <a:buNone/>
+            </a:pPr>
+            <a:r>
+              <a:rPr lang="en-US" sz="2000" dirty="0">
+                <a:hlinkClick r:id="rId2"/>
+              </a:rPr>
+              <a:t>https://www.tutorialspoint.com/hive/hive_installation.htm</a:t>
+            </a:r>
+            <a:endParaRPr lang="en-US" sz="2000" dirty="0"/>
+          </a:p>
+          <a:p>
+            <a:pPr>
+              <a:buFont typeface="Wingdings" panose="05000000000000000000" pitchFamily="2" charset="2"/>
+              <a:buChar char="Ø"/>
+            </a:pPr>
+            <a:r>
+              <a:rPr lang="en-US" sz="2800" u="sng" dirty="0"/>
+              <a:t>Installation instructions using Docker:</a:t>
+            </a:r>
+          </a:p>
+          <a:p>
+            <a:pPr marL="128016" lvl="1" indent="0">
+              <a:buNone/>
+            </a:pPr>
+            <a:r>
+              <a:rPr lang="en-US" sz="2000" u="sng" dirty="0">
+                <a:hlinkClick r:id="rId3"/>
+              </a:rPr>
+              <a:t>https://github.com/vasantivmahajan/Hadoop-Ecosystem</a:t>
+            </a:r>
+            <a:endParaRPr lang="en-US" sz="2000" u="sng" dirty="0"/>
+          </a:p>
+          <a:p>
+            <a:pPr marL="128016" lvl="1" indent="0">
+              <a:buNone/>
+            </a:pPr>
+            <a:r>
+              <a:rPr lang="en-US" sz="2000" dirty="0"/>
+              <a:t>Refer the file </a:t>
+            </a:r>
+            <a:r>
+              <a:rPr lang="en-US" sz="2000" b="1" i="1" dirty="0"/>
+              <a:t>Docker setup instructions for Hive.docx</a:t>
+            </a:r>
+            <a:endParaRPr lang="en-US" sz="2000" dirty="0"/>
           </a:p>
         </p:txBody>
       </p:sp>
@@ -5023,6 +6653,576 @@
     <p:extLst>
       <p:ext uri="{BB962C8B-B14F-4D97-AF65-F5344CB8AC3E}">
         <p14:creationId xmlns:p14="http://schemas.microsoft.com/office/powerpoint/2010/main" val="1692694719"/>
+      </p:ext>
+    </p:extLst>
+  </p:cSld>
+  <p:clrMapOvr>
+    <a:masterClrMapping/>
+  </p:clrMapOvr>
+</p:sld>
+</file>
+
+<file path=ppt/slides/slide8.xml><?xml version="1.0" encoding="utf-8"?>
+<p:sld xmlns:a="http://schemas.openxmlformats.org/drawingml/2006/main" xmlns:r="http://schemas.openxmlformats.org/officeDocument/2006/relationships" xmlns:p="http://schemas.openxmlformats.org/presentationml/2006/main">
+  <p:cSld>
+    <p:spTree>
+      <p:nvGrpSpPr>
+        <p:cNvPr id="1" name=""/>
+        <p:cNvGrpSpPr/>
+        <p:nvPr/>
+      </p:nvGrpSpPr>
+      <p:grpSpPr>
+        <a:xfrm>
+          <a:off x="0" y="0"/>
+          <a:ext cx="0" cy="0"/>
+          <a:chOff x="0" y="0"/>
+          <a:chExt cx="0" cy="0"/>
+        </a:xfrm>
+      </p:grpSpPr>
+      <p:sp>
+        <p:nvSpPr>
+          <p:cNvPr id="2" name="Title 1"/>
+          <p:cNvSpPr>
+            <a:spLocks noGrp="1"/>
+          </p:cNvSpPr>
+          <p:nvPr>
+            <p:ph type="title"/>
+          </p:nvPr>
+        </p:nvSpPr>
+        <p:spPr/>
+        <p:txBody>
+          <a:bodyPr/>
+          <a:lstStyle/>
+          <a:p>
+            <a:r>
+              <a:rPr lang="en-US" dirty="0"/>
+              <a:t>Begin with hive</a:t>
+            </a:r>
+          </a:p>
+        </p:txBody>
+      </p:sp>
+      <p:sp>
+        <p:nvSpPr>
+          <p:cNvPr id="3" name="Content Placeholder 2"/>
+          <p:cNvSpPr>
+            <a:spLocks noGrp="1"/>
+          </p:cNvSpPr>
+          <p:nvPr>
+            <p:ph idx="1"/>
+          </p:nvPr>
+        </p:nvSpPr>
+        <p:spPr>
+          <a:xfrm>
+            <a:off x="1024128" y="1689926"/>
+            <a:ext cx="9720073" cy="4023360"/>
+          </a:xfrm>
+        </p:spPr>
+        <p:txBody>
+          <a:bodyPr/>
+          <a:lstStyle/>
+          <a:p>
+            <a:r>
+              <a:rPr lang="en-US" dirty="0"/>
+              <a:t>On successfully installing Hive, the following should be displayed on the terminal:</a:t>
+            </a:r>
+          </a:p>
+          <a:p>
+            <a:endParaRPr lang="en-US" dirty="0"/>
+          </a:p>
+        </p:txBody>
+      </p:sp>
+      <p:pic>
+        <p:nvPicPr>
+          <p:cNvPr id="4" name="Picture 3"/>
+          <p:cNvPicPr>
+            <a:picLocks noChangeAspect="1"/>
+          </p:cNvPicPr>
+          <p:nvPr/>
+        </p:nvPicPr>
+        <p:blipFill>
+          <a:blip r:embed="rId2">
+            <a:extLst>
+              <a:ext uri="{28A0092B-C50C-407E-A947-70E740481C1C}">
+                <a14:useLocalDpi xmlns:a14="http://schemas.microsoft.com/office/drawing/2010/main" val="0"/>
+              </a:ext>
+            </a:extLst>
+          </a:blip>
+          <a:stretch>
+            <a:fillRect/>
+          </a:stretch>
+        </p:blipFill>
+        <p:spPr>
+          <a:xfrm>
+            <a:off x="7244862" y="3135291"/>
+            <a:ext cx="4725188" cy="2577995"/>
+          </a:xfrm>
+          <a:prstGeom prst="rect">
+            <a:avLst/>
+          </a:prstGeom>
+        </p:spPr>
+      </p:pic>
+      <p:pic>
+        <p:nvPicPr>
+          <p:cNvPr id="5" name="Picture 4"/>
+          <p:cNvPicPr>
+            <a:picLocks noChangeAspect="1"/>
+          </p:cNvPicPr>
+          <p:nvPr/>
+        </p:nvPicPr>
+        <p:blipFill>
+          <a:blip r:embed="rId3"/>
+          <a:stretch>
+            <a:fillRect/>
+          </a:stretch>
+        </p:blipFill>
+        <p:spPr>
+          <a:xfrm>
+            <a:off x="1024129" y="2532185"/>
+            <a:ext cx="6001460" cy="3894872"/>
+          </a:xfrm>
+          <a:prstGeom prst="rect">
+            <a:avLst/>
+          </a:prstGeom>
+        </p:spPr>
+      </p:pic>
+    </p:spTree>
+    <p:extLst>
+      <p:ext uri="{BB962C8B-B14F-4D97-AF65-F5344CB8AC3E}">
+        <p14:creationId xmlns:p14="http://schemas.microsoft.com/office/powerpoint/2010/main" val="3488009324"/>
+      </p:ext>
+    </p:extLst>
+  </p:cSld>
+  <p:clrMapOvr>
+    <a:masterClrMapping/>
+  </p:clrMapOvr>
+</p:sld>
+</file>
+
+<file path=ppt/slides/slide9.xml><?xml version="1.0" encoding="utf-8"?>
+<p:sld xmlns:a="http://schemas.openxmlformats.org/drawingml/2006/main" xmlns:r="http://schemas.openxmlformats.org/officeDocument/2006/relationships" xmlns:p="http://schemas.openxmlformats.org/presentationml/2006/main">
+  <p:cSld>
+    <p:spTree>
+      <p:nvGrpSpPr>
+        <p:cNvPr id="1" name=""/>
+        <p:cNvGrpSpPr/>
+        <p:nvPr/>
+      </p:nvGrpSpPr>
+      <p:grpSpPr>
+        <a:xfrm>
+          <a:off x="0" y="0"/>
+          <a:ext cx="0" cy="0"/>
+          <a:chOff x="0" y="0"/>
+          <a:chExt cx="0" cy="0"/>
+        </a:xfrm>
+      </p:grpSpPr>
+      <p:sp>
+        <p:nvSpPr>
+          <p:cNvPr id="2" name="Title 1"/>
+          <p:cNvSpPr>
+            <a:spLocks noGrp="1"/>
+          </p:cNvSpPr>
+          <p:nvPr>
+            <p:ph type="title"/>
+          </p:nvPr>
+        </p:nvSpPr>
+        <p:spPr/>
+        <p:txBody>
+          <a:bodyPr/>
+          <a:lstStyle/>
+          <a:p>
+            <a:r>
+              <a:rPr lang="en-US" dirty="0"/>
+              <a:t>SAMPLE example IN HIVE</a:t>
+            </a:r>
+          </a:p>
+        </p:txBody>
+      </p:sp>
+      <p:sp>
+        <p:nvSpPr>
+          <p:cNvPr id="5" name="Content Placeholder 4"/>
+          <p:cNvSpPr>
+            <a:spLocks noGrp="1"/>
+          </p:cNvSpPr>
+          <p:nvPr>
+            <p:ph idx="1"/>
+          </p:nvPr>
+        </p:nvSpPr>
+        <p:spPr>
+          <a:xfrm>
+            <a:off x="1164805" y="1969477"/>
+            <a:ext cx="10455109" cy="4607169"/>
+          </a:xfrm>
+        </p:spPr>
+        <p:txBody>
+          <a:bodyPr>
+            <a:normAutofit/>
+          </a:bodyPr>
+          <a:lstStyle/>
+          <a:p>
+            <a:r>
+              <a:rPr lang="en-US" u="sng" dirty="0"/>
+              <a:t>Sample example:</a:t>
+            </a:r>
+          </a:p>
+          <a:p>
+            <a:r>
+              <a:rPr lang="en-US" sz="2000" dirty="0"/>
+              <a:t>The word count program counts the number of times each word occurs in the input. The same word count operation can be done using the </a:t>
+            </a:r>
+            <a:r>
+              <a:rPr lang="en-US" sz="2000" dirty="0" err="1"/>
+              <a:t>HiveQL</a:t>
+            </a:r>
+            <a:r>
+              <a:rPr lang="en-US" sz="2000" dirty="0"/>
+              <a:t>. One way to accomplish this is as follows:</a:t>
+            </a:r>
+          </a:p>
+          <a:p>
+            <a:r>
+              <a:rPr lang="en-US" sz="1600" dirty="0"/>
+              <a:t>        </a:t>
+            </a:r>
+            <a:r>
+              <a:rPr lang="en-US" sz="1600" dirty="0">
+                <a:solidFill>
+                  <a:srgbClr val="00B050"/>
+                </a:solidFill>
+              </a:rPr>
+              <a:t>DROP TABLE </a:t>
+            </a:r>
+            <a:r>
+              <a:rPr lang="en-US" sz="1600" dirty="0"/>
+              <a:t>IF </a:t>
+            </a:r>
+            <a:r>
+              <a:rPr lang="en-US" sz="1600" dirty="0">
+                <a:solidFill>
+                  <a:srgbClr val="00B050"/>
+                </a:solidFill>
+              </a:rPr>
+              <a:t>EXISTS</a:t>
+            </a:r>
+            <a:r>
+              <a:rPr lang="en-US" sz="1600" dirty="0"/>
+              <a:t> docs; </a:t>
+            </a:r>
+            <a:r>
+              <a:rPr lang="en-US" sz="1600" dirty="0">
+                <a:solidFill>
+                  <a:schemeClr val="accent4">
+                    <a:lumMod val="75000"/>
+                  </a:schemeClr>
+                </a:solidFill>
+              </a:rPr>
+              <a:t>//checks if the table exists, if it does deletes the table</a:t>
+            </a:r>
+          </a:p>
+          <a:p>
+            <a:r>
+              <a:rPr lang="en-US" sz="1600" dirty="0"/>
+              <a:t>        </a:t>
+            </a:r>
+            <a:r>
+              <a:rPr lang="en-US" sz="1600" dirty="0">
+                <a:solidFill>
+                  <a:srgbClr val="00B050"/>
+                </a:solidFill>
+              </a:rPr>
+              <a:t>CREATE TABLE </a:t>
+            </a:r>
+            <a:r>
+              <a:rPr lang="en-US" sz="1600" dirty="0"/>
+              <a:t>docs (line STRING); </a:t>
+            </a:r>
+            <a:r>
+              <a:rPr lang="en-US" sz="1600" dirty="0">
+                <a:solidFill>
+                  <a:schemeClr val="accent4">
+                    <a:lumMod val="75000"/>
+                  </a:schemeClr>
+                </a:solidFill>
+              </a:rPr>
+              <a:t>//creates a table named ‘docs’ with single column ‘line’ of type string </a:t>
+            </a:r>
+          </a:p>
+          <a:p>
+            <a:r>
+              <a:rPr lang="en-US" sz="1600" dirty="0"/>
+              <a:t>        </a:t>
+            </a:r>
+            <a:r>
+              <a:rPr lang="en-US" sz="1600" dirty="0">
+                <a:solidFill>
+                  <a:srgbClr val="00B050"/>
+                </a:solidFill>
+              </a:rPr>
+              <a:t>LOAD DATA </a:t>
+            </a:r>
+            <a:r>
+              <a:rPr lang="en-US" sz="1600" dirty="0"/>
+              <a:t>INPATH </a:t>
+            </a:r>
+            <a:r>
+              <a:rPr lang="en-US" sz="1600" dirty="0">
+                <a:solidFill>
+                  <a:srgbClr val="00B0F0"/>
+                </a:solidFill>
+              </a:rPr>
+              <a:t>'</a:t>
+            </a:r>
+            <a:r>
+              <a:rPr lang="en-US" sz="1600" dirty="0" err="1">
+                <a:solidFill>
+                  <a:srgbClr val="00B0F0"/>
+                </a:solidFill>
+              </a:rPr>
+              <a:t>input_file</a:t>
+            </a:r>
+            <a:r>
+              <a:rPr lang="en-US" sz="1600" dirty="0"/>
+              <a:t>' OVERWRITE </a:t>
+            </a:r>
+            <a:r>
+              <a:rPr lang="en-US" sz="1600" dirty="0">
+                <a:solidFill>
+                  <a:srgbClr val="00B050"/>
+                </a:solidFill>
+              </a:rPr>
+              <a:t>INTO TABLE </a:t>
+            </a:r>
+            <a:r>
+              <a:rPr lang="en-US" sz="1600" dirty="0"/>
+              <a:t>docs; </a:t>
+            </a:r>
+            <a:r>
+              <a:rPr lang="en-US" sz="1600" dirty="0">
+                <a:solidFill>
+                  <a:schemeClr val="accent4">
+                    <a:lumMod val="75000"/>
+                  </a:schemeClr>
+                </a:solidFill>
+              </a:rPr>
+              <a:t>//loads the data into the table</a:t>
+            </a:r>
+            <a:endParaRPr lang="en-US" sz="1600" dirty="0"/>
+          </a:p>
+          <a:p>
+            <a:r>
+              <a:rPr lang="en-US" sz="1600" dirty="0"/>
+              <a:t>        </a:t>
+            </a:r>
+            <a:r>
+              <a:rPr lang="en-US" sz="1600" dirty="0">
+                <a:solidFill>
+                  <a:srgbClr val="00B050"/>
+                </a:solidFill>
+              </a:rPr>
+              <a:t>CREATE TABLE </a:t>
+            </a:r>
+            <a:r>
+              <a:rPr lang="en-US" sz="1600" dirty="0" err="1"/>
+              <a:t>word_counts</a:t>
+            </a:r>
+            <a:r>
+              <a:rPr lang="en-US" sz="1600" dirty="0"/>
+              <a:t> </a:t>
+            </a:r>
+            <a:r>
+              <a:rPr lang="en-US" sz="1600" dirty="0">
+                <a:solidFill>
+                  <a:srgbClr val="00B050"/>
+                </a:solidFill>
+              </a:rPr>
+              <a:t>AS</a:t>
+            </a:r>
+            <a:r>
+              <a:rPr lang="en-US" sz="1600" dirty="0"/>
+              <a:t> </a:t>
+            </a:r>
+            <a:r>
+              <a:rPr lang="en-US" sz="1600" dirty="0">
+                <a:solidFill>
+                  <a:schemeClr val="accent4">
+                    <a:lumMod val="75000"/>
+                  </a:schemeClr>
+                </a:solidFill>
+              </a:rPr>
+              <a:t>//create a table ‘</a:t>
+            </a:r>
+            <a:r>
+              <a:rPr lang="en-US" sz="1600" dirty="0" err="1">
+                <a:solidFill>
+                  <a:schemeClr val="accent4">
+                    <a:lumMod val="75000"/>
+                  </a:schemeClr>
+                </a:solidFill>
+              </a:rPr>
+              <a:t>word_counts</a:t>
+            </a:r>
+            <a:r>
+              <a:rPr lang="en-US" sz="1600" dirty="0">
+                <a:solidFill>
+                  <a:schemeClr val="accent4">
+                    <a:lumMod val="75000"/>
+                  </a:schemeClr>
+                </a:solidFill>
+              </a:rPr>
+              <a:t>’ with two columns ‘word’ and ‘count’</a:t>
+            </a:r>
+          </a:p>
+          <a:p>
+            <a:r>
+              <a:rPr lang="en-US" sz="1600" dirty="0"/>
+              <a:t>        </a:t>
+            </a:r>
+            <a:r>
+              <a:rPr lang="en-US" sz="1600" dirty="0">
+                <a:solidFill>
+                  <a:srgbClr val="00B050"/>
+                </a:solidFill>
+              </a:rPr>
+              <a:t>SELECT</a:t>
+            </a:r>
+            <a:r>
+              <a:rPr lang="en-US" sz="1600" dirty="0"/>
+              <a:t> word, </a:t>
+            </a:r>
+            <a:r>
+              <a:rPr lang="en-US" sz="1600" dirty="0">
+                <a:solidFill>
+                  <a:srgbClr val="00B050"/>
+                </a:solidFill>
+              </a:rPr>
+              <a:t>count</a:t>
+            </a:r>
+            <a:r>
+              <a:rPr lang="en-US" sz="1600" dirty="0"/>
+              <a:t>(1) </a:t>
+            </a:r>
+            <a:r>
+              <a:rPr lang="en-US" sz="1600" dirty="0">
+                <a:solidFill>
+                  <a:srgbClr val="00B050"/>
+                </a:solidFill>
+              </a:rPr>
+              <a:t>AS count FROM </a:t>
+            </a:r>
+          </a:p>
+          <a:p>
+            <a:r>
+              <a:rPr lang="en-US" sz="1600" dirty="0"/>
+              <a:t>        (</a:t>
+            </a:r>
+            <a:r>
+              <a:rPr lang="en-US" sz="1600" dirty="0">
+                <a:solidFill>
+                  <a:srgbClr val="00B050"/>
+                </a:solidFill>
+              </a:rPr>
+              <a:t>SELECT</a:t>
+            </a:r>
+            <a:r>
+              <a:rPr lang="en-US" sz="1600" dirty="0"/>
+              <a:t> explode(split(line, '\s')) </a:t>
+            </a:r>
+            <a:r>
+              <a:rPr lang="en-US" sz="1600" dirty="0">
+                <a:solidFill>
+                  <a:srgbClr val="00B050"/>
+                </a:solidFill>
+              </a:rPr>
+              <a:t>AS</a:t>
+            </a:r>
+            <a:r>
+              <a:rPr lang="en-US" sz="1600" dirty="0"/>
+              <a:t> word </a:t>
+            </a:r>
+            <a:r>
+              <a:rPr lang="en-US" sz="1600" dirty="0">
+                <a:solidFill>
+                  <a:srgbClr val="00B050"/>
+                </a:solidFill>
+              </a:rPr>
+              <a:t>FROM</a:t>
+            </a:r>
+            <a:r>
+              <a:rPr lang="en-US" sz="1600" dirty="0"/>
+              <a:t> docs) temp </a:t>
+            </a:r>
+            <a:r>
+              <a:rPr lang="en-US" sz="1600" dirty="0">
+                <a:solidFill>
+                  <a:schemeClr val="accent4">
+                    <a:lumMod val="75000"/>
+                  </a:schemeClr>
+                </a:solidFill>
+              </a:rPr>
+              <a:t>//splits the words into rows and inserts in into the ‘temp’ table</a:t>
+            </a:r>
+          </a:p>
+          <a:p>
+            <a:r>
+              <a:rPr lang="en-US" sz="1600" dirty="0"/>
+              <a:t>        </a:t>
+            </a:r>
+            <a:r>
+              <a:rPr lang="en-US" sz="1600" dirty="0">
+                <a:solidFill>
+                  <a:srgbClr val="00B050"/>
+                </a:solidFill>
+              </a:rPr>
+              <a:t>GROUP BY </a:t>
+            </a:r>
+            <a:r>
+              <a:rPr lang="en-US" sz="1600" dirty="0"/>
+              <a:t>word </a:t>
+            </a:r>
+            <a:r>
+              <a:rPr lang="en-US" sz="1600" dirty="0">
+                <a:solidFill>
+                  <a:schemeClr val="accent4">
+                    <a:lumMod val="75000"/>
+                  </a:schemeClr>
+                </a:solidFill>
+              </a:rPr>
+              <a:t>//performs group by on the keys</a:t>
+            </a:r>
+          </a:p>
+          <a:p>
+            <a:r>
+              <a:rPr lang="en-US" sz="1600" dirty="0"/>
+              <a:t>        </a:t>
+            </a:r>
+            <a:r>
+              <a:rPr lang="en-US" sz="1600" dirty="0">
+                <a:solidFill>
+                  <a:srgbClr val="00B050"/>
+                </a:solidFill>
+              </a:rPr>
+              <a:t>ORDER BY </a:t>
+            </a:r>
+            <a:r>
+              <a:rPr lang="en-US" sz="1600" dirty="0"/>
+              <a:t>word; </a:t>
+            </a:r>
+            <a:r>
+              <a:rPr lang="en-US" sz="1600" dirty="0">
+                <a:solidFill>
+                  <a:schemeClr val="accent4">
+                    <a:lumMod val="75000"/>
+                  </a:schemeClr>
+                </a:solidFill>
+              </a:rPr>
+              <a:t>//sorts the word alphabetically</a:t>
+            </a:r>
+          </a:p>
+        </p:txBody>
+      </p:sp>
+    </p:spTree>
+    <p:extLst>
+      <p:ext uri="{BB962C8B-B14F-4D97-AF65-F5344CB8AC3E}">
+        <p14:creationId xmlns:p14="http://schemas.microsoft.com/office/powerpoint/2010/main" val="198032562"/>
       </p:ext>
     </p:extLst>
   </p:cSld>
